--- a/Design/굿샷UI정리1.pptx
+++ b/Design/굿샷UI정리1.pptx
@@ -2984,7 +2984,7 @@
         <p:spPr>
           <a:xfrm>
             <a:off x="267401" y="116013"/>
-            <a:ext cx="242455" cy="242455"/>
+            <a:ext cx="239675" cy="224809"/>
           </a:xfrm>
           <a:prstGeom prst="ellipse">
             <a:avLst/>
@@ -3095,24 +3095,133 @@
           </a:p>
         </p:txBody>
       </p:sp>
-      <p:sp>
-        <p:nvSpPr>
-          <p:cNvPr id="2" name="모서리가 둥근 직사각형 1"/>
+      <p:grpSp>
+        <p:nvGrpSpPr>
+          <p:cNvPr id="22" name="그룹 21"/>
+          <p:cNvGrpSpPr/>
+          <p:nvPr/>
+        </p:nvGrpSpPr>
+        <p:grpSpPr>
+          <a:xfrm>
+            <a:off x="4342899" y="5478087"/>
+            <a:ext cx="3741726" cy="191193"/>
+            <a:chOff x="5436959" y="5370022"/>
+            <a:chExt cx="1586856" cy="191193"/>
+          </a:xfrm>
+        </p:grpSpPr>
+        <p:sp>
+          <p:nvSpPr>
+            <p:cNvPr id="2" name="모서리가 둥근 직사각형 1"/>
+            <p:cNvSpPr/>
+            <p:nvPr/>
+          </p:nvSpPr>
+          <p:spPr>
+            <a:xfrm>
+              <a:off x="5436959" y="5370022"/>
+              <a:ext cx="1586856" cy="191193"/>
+            </a:xfrm>
+            <a:prstGeom prst="roundRect">
+              <a:avLst/>
+            </a:prstGeom>
+            <a:noFill/>
+            <a:ln w="19050">
+              <a:solidFill>
+                <a:srgbClr val="00B0F0"/>
+              </a:solidFill>
+            </a:ln>
+          </p:spPr>
+          <p:txBody>
+            <a:bodyPr rot="0" spcFirstLastPara="0" vertOverflow="overflow" horzOverflow="overflow" vert="horz" wrap="square" lIns="0" tIns="0" rIns="0" bIns="0" numCol="1" spcCol="0" rtlCol="0" fromWordArt="0" anchor="ctr" anchorCtr="0" forceAA="0" compatLnSpc="1">
+              <a:prstTxWarp prst="textNoShape">
+                <a:avLst/>
+              </a:prstTxWarp>
+              <a:noAutofit/>
+            </a:bodyPr>
+            <a:lstStyle/>
+            <a:p>
+              <a:pPr algn="ctr"/>
+              <a:endParaRPr lang="ko-KR" altLang="en-US" sz="900" b="1" dirty="0" smtClean="0">
+                <a:solidFill>
+                  <a:schemeClr val="bg1"/>
+                </a:solidFill>
+                <a:effectLst>
+                  <a:outerShdw blurRad="38100" dist="38100" dir="2700000" algn="tl">
+                    <a:srgbClr val="000000">
+                      <a:alpha val="43137"/>
+                    </a:srgbClr>
+                  </a:outerShdw>
+                </a:effectLst>
+              </a:endParaRPr>
+            </a:p>
+          </p:txBody>
+        </p:sp>
+        <p:sp>
+          <p:nvSpPr>
+            <p:cNvPr id="5" name="모서리가 둥근 직사각형 4"/>
+            <p:cNvSpPr/>
+            <p:nvPr/>
+          </p:nvSpPr>
+          <p:spPr>
+            <a:xfrm>
+              <a:off x="5436959" y="5370022"/>
+              <a:ext cx="195872" cy="191193"/>
+            </a:xfrm>
+            <a:prstGeom prst="roundRect">
+              <a:avLst/>
+            </a:prstGeom>
+            <a:solidFill>
+              <a:srgbClr val="00B0F0"/>
+            </a:solidFill>
+            <a:ln w="19050">
+              <a:solidFill>
+                <a:srgbClr val="00B0F0"/>
+              </a:solidFill>
+            </a:ln>
+          </p:spPr>
+          <p:txBody>
+            <a:bodyPr rot="0" spcFirstLastPara="0" vertOverflow="overflow" horzOverflow="overflow" vert="horz" wrap="square" lIns="0" tIns="0" rIns="0" bIns="0" numCol="1" spcCol="0" rtlCol="0" fromWordArt="0" anchor="ctr" anchorCtr="0" forceAA="0" compatLnSpc="1">
+              <a:prstTxWarp prst="textNoShape">
+                <a:avLst/>
+              </a:prstTxWarp>
+              <a:noAutofit/>
+            </a:bodyPr>
+            <a:lstStyle/>
+            <a:p>
+              <a:pPr algn="ctr"/>
+              <a:endParaRPr lang="ko-KR" altLang="en-US" sz="900" b="1" dirty="0" smtClean="0">
+                <a:solidFill>
+                  <a:schemeClr val="bg1"/>
+                </a:solidFill>
+                <a:effectLst>
+                  <a:outerShdw blurRad="38100" dist="38100" dir="2700000" algn="tl">
+                    <a:srgbClr val="000000">
+                      <a:alpha val="43137"/>
+                    </a:srgbClr>
+                  </a:outerShdw>
+                </a:effectLst>
+              </a:endParaRPr>
+            </a:p>
+          </p:txBody>
+        </p:sp>
+      </p:grpSp>
+      <p:sp>
+        <p:nvSpPr>
+          <p:cNvPr id="3" name="아래쪽 화살표 2"/>
           <p:cNvSpPr/>
           <p:nvPr/>
         </p:nvSpPr>
         <p:spPr>
           <a:xfrm>
-            <a:off x="5436959" y="5370022"/>
-            <a:ext cx="1586856" cy="191193"/>
+            <a:off x="2600325" y="1205173"/>
+            <a:ext cx="276225" cy="752996"/>
           </a:xfrm>
-          <a:prstGeom prst="roundRect">
+          <a:prstGeom prst="downArrow">
             <a:avLst/>
           </a:prstGeom>
           <a:noFill/>
           <a:ln w="19050">
             <a:solidFill>
-              <a:srgbClr val="FF0000"/>
+              <a:srgbClr val="FFC000"/>
             </a:solidFill>
           </a:ln>
         </p:spPr>
@@ -3143,100 +3252,6 @@
       </p:sp>
       <p:sp>
         <p:nvSpPr>
-          <p:cNvPr id="5" name="모서리가 둥근 직사각형 4"/>
-          <p:cNvSpPr/>
-          <p:nvPr/>
-        </p:nvSpPr>
-        <p:spPr>
-          <a:xfrm>
-            <a:off x="5436959" y="5370022"/>
-            <a:ext cx="1196158" cy="191193"/>
-          </a:xfrm>
-          <a:prstGeom prst="roundRect">
-            <a:avLst/>
-          </a:prstGeom>
-          <a:solidFill>
-            <a:srgbClr val="FF0000"/>
-          </a:solidFill>
-          <a:ln w="19050">
-            <a:solidFill>
-              <a:srgbClr val="FF0000"/>
-            </a:solidFill>
-          </a:ln>
-        </p:spPr>
-        <p:txBody>
-          <a:bodyPr rot="0" spcFirstLastPara="0" vertOverflow="overflow" horzOverflow="overflow" vert="horz" wrap="square" lIns="0" tIns="0" rIns="0" bIns="0" numCol="1" spcCol="0" rtlCol="0" fromWordArt="0" anchor="ctr" anchorCtr="0" forceAA="0" compatLnSpc="1">
-            <a:prstTxWarp prst="textNoShape">
-              <a:avLst/>
-            </a:prstTxWarp>
-            <a:noAutofit/>
-          </a:bodyPr>
-          <a:lstStyle/>
-          <a:p>
-            <a:pPr algn="ctr"/>
-            <a:endParaRPr lang="ko-KR" altLang="en-US" sz="900" b="1" dirty="0" smtClean="0">
-              <a:solidFill>
-                <a:schemeClr val="bg1"/>
-              </a:solidFill>
-              <a:effectLst>
-                <a:outerShdw blurRad="38100" dist="38100" dir="2700000" algn="tl">
-                  <a:srgbClr val="000000">
-                    <a:alpha val="43137"/>
-                  </a:srgbClr>
-                </a:outerShdw>
-              </a:effectLst>
-            </a:endParaRPr>
-          </a:p>
-        </p:txBody>
-      </p:sp>
-      <p:sp>
-        <p:nvSpPr>
-          <p:cNvPr id="3" name="아래쪽 화살표 2"/>
-          <p:cNvSpPr/>
-          <p:nvPr/>
-        </p:nvSpPr>
-        <p:spPr>
-          <a:xfrm>
-            <a:off x="2600325" y="1205172"/>
-            <a:ext cx="276225" cy="866775"/>
-          </a:xfrm>
-          <a:prstGeom prst="downArrow">
-            <a:avLst/>
-          </a:prstGeom>
-          <a:noFill/>
-          <a:ln w="19050">
-            <a:solidFill>
-              <a:srgbClr val="FFC000"/>
-            </a:solidFill>
-          </a:ln>
-        </p:spPr>
-        <p:txBody>
-          <a:bodyPr rot="0" spcFirstLastPara="0" vertOverflow="overflow" horzOverflow="overflow" vert="horz" wrap="square" lIns="0" tIns="0" rIns="0" bIns="0" numCol="1" spcCol="0" rtlCol="0" fromWordArt="0" anchor="ctr" anchorCtr="0" forceAA="0" compatLnSpc="1">
-            <a:prstTxWarp prst="textNoShape">
-              <a:avLst/>
-            </a:prstTxWarp>
-            <a:noAutofit/>
-          </a:bodyPr>
-          <a:lstStyle/>
-          <a:p>
-            <a:pPr algn="ctr"/>
-            <a:endParaRPr lang="ko-KR" altLang="en-US" sz="900" b="1" dirty="0" smtClean="0">
-              <a:solidFill>
-                <a:schemeClr val="bg1"/>
-              </a:solidFill>
-              <a:effectLst>
-                <a:outerShdw blurRad="38100" dist="38100" dir="2700000" algn="tl">
-                  <a:srgbClr val="000000">
-                    <a:alpha val="43137"/>
-                  </a:srgbClr>
-                </a:outerShdw>
-              </a:effectLst>
-            </a:endParaRPr>
-          </a:p>
-        </p:txBody>
-      </p:sp>
-      <p:sp>
-        <p:nvSpPr>
           <p:cNvPr id="7" name="순서도: 연결자 6"/>
           <p:cNvSpPr/>
           <p:nvPr/>
@@ -3249,10 +3264,12 @@
           <a:prstGeom prst="flowChartConnector">
             <a:avLst/>
           </a:prstGeom>
-          <a:noFill/>
+          <a:solidFill>
+            <a:schemeClr val="bg1"/>
+          </a:solidFill>
           <a:ln w="19050">
             <a:solidFill>
-              <a:srgbClr val="FF0000"/>
+              <a:schemeClr val="bg1"/>
             </a:solidFill>
           </a:ln>
         </p:spPr>
@@ -3268,9 +3285,6 @@
             <a:pPr algn="ctr"/>
             <a:r>
               <a:rPr lang="ko-KR" altLang="en-US" sz="900" b="1">
-                <a:solidFill>
-                  <a:schemeClr val="bg1"/>
-                </a:solidFill>
                 <a:effectLst>
                   <a:outerShdw blurRad="38100" dist="38100" dir="2700000" algn="tl">
                     <a:srgbClr val="000000">
@@ -3282,9 +3296,6 @@
               <a:t>공</a:t>
             </a:r>
             <a:endParaRPr lang="ko-KR" altLang="en-US" sz="900" b="1" dirty="0" smtClean="0">
-              <a:solidFill>
-                <a:schemeClr val="bg1"/>
-              </a:solidFill>
               <a:effectLst>
                 <a:outerShdw blurRad="38100" dist="38100" dir="2700000" algn="tl">
                   <a:srgbClr val="000000">
@@ -3310,10 +3321,12 @@
           <a:prstGeom prst="cube">
             <a:avLst/>
           </a:prstGeom>
-          <a:noFill/>
+          <a:solidFill>
+            <a:schemeClr val="tx1"/>
+          </a:solidFill>
           <a:ln w="19050">
             <a:solidFill>
-              <a:srgbClr val="FF0000"/>
+              <a:schemeClr val="tx1"/>
             </a:solidFill>
           </a:ln>
         </p:spPr>
@@ -4136,7 +4149,7 @@
             <a:avLst/>
           </a:prstGeom>
           <a:solidFill>
-            <a:srgbClr val="FFC000"/>
+            <a:schemeClr val="tx1"/>
           </a:solidFill>
           <a:ln w="19050">
             <a:solidFill>
@@ -4177,7 +4190,7 @@
         </p:nvSpPr>
         <p:spPr>
           <a:xfrm>
-            <a:off x="7096125" y="4752975"/>
+            <a:off x="9900456" y="4338940"/>
             <a:ext cx="438150" cy="352425"/>
           </a:xfrm>
           <a:prstGeom prst="rightArrow">
@@ -4186,7 +4199,9 @@
           <a:noFill/>
           <a:ln w="19050">
             <a:solidFill>
-              <a:srgbClr val="FF0000"/>
+              <a:schemeClr val="accent4">
+                <a:lumMod val="75000"/>
+              </a:schemeClr>
             </a:solidFill>
           </a:ln>
         </p:spPr>
@@ -4223,7 +4238,7 @@
         </p:nvSpPr>
         <p:spPr>
           <a:xfrm rot="10800000">
-            <a:off x="4743450" y="4752975"/>
+            <a:off x="9280899" y="4338940"/>
             <a:ext cx="438150" cy="352425"/>
           </a:xfrm>
           <a:prstGeom prst="rightArrow">
@@ -4232,7 +4247,9 @@
           <a:noFill/>
           <a:ln w="19050">
             <a:solidFill>
-              <a:srgbClr val="FF0000"/>
+              <a:schemeClr val="accent4">
+                <a:lumMod val="75000"/>
+              </a:schemeClr>
             </a:solidFill>
           </a:ln>
         </p:spPr>
@@ -4275,10 +4292,14 @@
           <a:prstGeom prst="flowChartConnector">
             <a:avLst/>
           </a:prstGeom>
-          <a:noFill/>
+          <a:solidFill>
+            <a:schemeClr val="accent1">
+              <a:lumMod val="75000"/>
+            </a:schemeClr>
+          </a:solidFill>
           <a:ln w="19050">
             <a:solidFill>
-              <a:srgbClr val="FF0000"/>
+              <a:srgbClr val="00B0F0"/>
             </a:solidFill>
           </a:ln>
         </p:spPr>
@@ -4311,6 +4332,1542 @@
               <a:solidFill>
                 <a:schemeClr val="bg1"/>
               </a:solidFill>
+              <a:effectLst>
+                <a:outerShdw blurRad="38100" dist="38100" dir="2700000" algn="tl">
+                  <a:srgbClr val="000000">
+                    <a:alpha val="43137"/>
+                  </a:srgbClr>
+                </a:outerShdw>
+              </a:effectLst>
+            </a:endParaRPr>
+          </a:p>
+        </p:txBody>
+      </p:sp>
+      <p:cxnSp>
+        <p:nvCxnSpPr>
+          <p:cNvPr id="10" name="직선 연결선 9"/>
+          <p:cNvCxnSpPr/>
+          <p:nvPr/>
+        </p:nvCxnSpPr>
+        <p:spPr>
+          <a:xfrm>
+            <a:off x="6134793" y="3624349"/>
+            <a:ext cx="0" cy="681644"/>
+          </a:xfrm>
+          <a:prstGeom prst="line">
+            <a:avLst/>
+          </a:prstGeom>
+          <a:ln w="38100">
+            <a:solidFill>
+              <a:srgbClr val="FF0000"/>
+            </a:solidFill>
+            <a:prstDash val="sysDash"/>
+          </a:ln>
+        </p:spPr>
+        <p:style>
+          <a:lnRef idx="1">
+            <a:schemeClr val="accent1"/>
+          </a:lnRef>
+          <a:fillRef idx="0">
+            <a:schemeClr val="accent1"/>
+          </a:fillRef>
+          <a:effectRef idx="0">
+            <a:schemeClr val="accent1"/>
+          </a:effectRef>
+          <a:fontRef idx="minor">
+            <a:schemeClr val="tx1"/>
+          </a:fontRef>
+        </p:style>
+      </p:cxnSp>
+      <p:sp>
+        <p:nvSpPr>
+          <p:cNvPr id="14" name="직사각형 13"/>
+          <p:cNvSpPr/>
+          <p:nvPr/>
+        </p:nvSpPr>
+        <p:spPr>
+          <a:xfrm>
+            <a:off x="2377440" y="1105593"/>
+            <a:ext cx="698269" cy="872836"/>
+          </a:xfrm>
+          <a:prstGeom prst="rect">
+            <a:avLst/>
+          </a:prstGeom>
+          <a:noFill/>
+          <a:ln w="19050">
+            <a:solidFill>
+              <a:srgbClr val="FF0000"/>
+            </a:solidFill>
+          </a:ln>
+        </p:spPr>
+        <p:txBody>
+          <a:bodyPr rot="0" spcFirstLastPara="0" vertOverflow="overflow" horzOverflow="overflow" vert="horz" wrap="square" lIns="0" tIns="0" rIns="0" bIns="0" numCol="1" spcCol="0" rtlCol="0" fromWordArt="0" anchor="ctr" anchorCtr="0" forceAA="0" compatLnSpc="1">
+            <a:prstTxWarp prst="textNoShape">
+              <a:avLst/>
+            </a:prstTxWarp>
+            <a:noAutofit/>
+          </a:bodyPr>
+          <a:lstStyle/>
+          <a:p>
+            <a:pPr algn="ctr"/>
+            <a:endParaRPr lang="ko-KR" altLang="en-US" sz="900" b="1" dirty="0" smtClean="0">
+              <a:solidFill>
+                <a:schemeClr val="bg1"/>
+              </a:solidFill>
+              <a:effectLst>
+                <a:outerShdw blurRad="38100" dist="38100" dir="2700000" algn="tl">
+                  <a:srgbClr val="000000">
+                    <a:alpha val="43137"/>
+                  </a:srgbClr>
+                </a:outerShdw>
+              </a:effectLst>
+            </a:endParaRPr>
+          </a:p>
+        </p:txBody>
+      </p:sp>
+      <p:sp>
+        <p:nvSpPr>
+          <p:cNvPr id="20" name="직사각형 19"/>
+          <p:cNvSpPr/>
+          <p:nvPr/>
+        </p:nvSpPr>
+        <p:spPr>
+          <a:xfrm>
+            <a:off x="2468880" y="2041554"/>
+            <a:ext cx="523702" cy="244446"/>
+          </a:xfrm>
+          <a:prstGeom prst="rect">
+            <a:avLst/>
+          </a:prstGeom>
+          <a:noFill/>
+          <a:ln w="19050">
+            <a:solidFill>
+              <a:srgbClr val="FF0000"/>
+            </a:solidFill>
+          </a:ln>
+        </p:spPr>
+        <p:txBody>
+          <a:bodyPr rot="0" spcFirstLastPara="0" vertOverflow="overflow" horzOverflow="overflow" vert="horz" wrap="square" lIns="0" tIns="0" rIns="0" bIns="0" numCol="1" spcCol="0" rtlCol="0" fromWordArt="0" anchor="ctr" anchorCtr="0" forceAA="0" compatLnSpc="1">
+            <a:prstTxWarp prst="textNoShape">
+              <a:avLst/>
+            </a:prstTxWarp>
+            <a:noAutofit/>
+          </a:bodyPr>
+          <a:lstStyle/>
+          <a:p>
+            <a:pPr algn="ctr"/>
+            <a:endParaRPr lang="ko-KR" altLang="en-US" sz="900" b="1" dirty="0" smtClean="0">
+              <a:solidFill>
+                <a:schemeClr val="bg1"/>
+              </a:solidFill>
+              <a:effectLst>
+                <a:outerShdw blurRad="38100" dist="38100" dir="2700000" algn="tl">
+                  <a:srgbClr val="000000">
+                    <a:alpha val="43137"/>
+                  </a:srgbClr>
+                </a:outerShdw>
+              </a:effectLst>
+            </a:endParaRPr>
+          </a:p>
+        </p:txBody>
+      </p:sp>
+      <p:sp>
+        <p:nvSpPr>
+          <p:cNvPr id="21" name="직사각형 20"/>
+          <p:cNvSpPr/>
+          <p:nvPr/>
+        </p:nvSpPr>
+        <p:spPr>
+          <a:xfrm>
+            <a:off x="5948622" y="3527382"/>
+            <a:ext cx="366454" cy="861464"/>
+          </a:xfrm>
+          <a:prstGeom prst="rect">
+            <a:avLst/>
+          </a:prstGeom>
+          <a:noFill/>
+          <a:ln w="19050">
+            <a:solidFill>
+              <a:srgbClr val="FF0000"/>
+            </a:solidFill>
+          </a:ln>
+        </p:spPr>
+        <p:txBody>
+          <a:bodyPr rot="0" spcFirstLastPara="0" vertOverflow="overflow" horzOverflow="overflow" vert="horz" wrap="square" lIns="0" tIns="0" rIns="0" bIns="0" numCol="1" spcCol="0" rtlCol="0" fromWordArt="0" anchor="ctr" anchorCtr="0" forceAA="0" compatLnSpc="1">
+            <a:prstTxWarp prst="textNoShape">
+              <a:avLst/>
+            </a:prstTxWarp>
+            <a:noAutofit/>
+          </a:bodyPr>
+          <a:lstStyle/>
+          <a:p>
+            <a:pPr algn="ctr"/>
+            <a:endParaRPr lang="ko-KR" altLang="en-US" sz="900" b="1" dirty="0" smtClean="0">
+              <a:solidFill>
+                <a:schemeClr val="bg1"/>
+              </a:solidFill>
+              <a:effectLst>
+                <a:outerShdw blurRad="38100" dist="38100" dir="2700000" algn="tl">
+                  <a:srgbClr val="000000">
+                    <a:alpha val="43137"/>
+                  </a:srgbClr>
+                </a:outerShdw>
+              </a:effectLst>
+            </a:endParaRPr>
+          </a:p>
+        </p:txBody>
+      </p:sp>
+      <p:sp>
+        <p:nvSpPr>
+          <p:cNvPr id="23" name="직사각형 22"/>
+          <p:cNvSpPr/>
+          <p:nvPr/>
+        </p:nvSpPr>
+        <p:spPr>
+          <a:xfrm>
+            <a:off x="5744095" y="4305993"/>
+            <a:ext cx="798021" cy="573578"/>
+          </a:xfrm>
+          <a:prstGeom prst="rect">
+            <a:avLst/>
+          </a:prstGeom>
+          <a:noFill/>
+          <a:ln w="19050">
+            <a:solidFill>
+              <a:srgbClr val="FF0000"/>
+            </a:solidFill>
+          </a:ln>
+        </p:spPr>
+        <p:txBody>
+          <a:bodyPr rot="0" spcFirstLastPara="0" vertOverflow="overflow" horzOverflow="overflow" vert="horz" wrap="square" lIns="0" tIns="0" rIns="0" bIns="0" numCol="1" spcCol="0" rtlCol="0" fromWordArt="0" anchor="ctr" anchorCtr="0" forceAA="0" compatLnSpc="1">
+            <a:prstTxWarp prst="textNoShape">
+              <a:avLst/>
+            </a:prstTxWarp>
+            <a:noAutofit/>
+          </a:bodyPr>
+          <a:lstStyle/>
+          <a:p>
+            <a:pPr algn="ctr"/>
+            <a:endParaRPr lang="ko-KR" altLang="en-US" sz="900" b="1" dirty="0" smtClean="0">
+              <a:solidFill>
+                <a:schemeClr val="bg1"/>
+              </a:solidFill>
+              <a:effectLst>
+                <a:outerShdw blurRad="38100" dist="38100" dir="2700000" algn="tl">
+                  <a:srgbClr val="000000">
+                    <a:alpha val="43137"/>
+                  </a:srgbClr>
+                </a:outerShdw>
+              </a:effectLst>
+            </a:endParaRPr>
+          </a:p>
+        </p:txBody>
+      </p:sp>
+      <p:sp>
+        <p:nvSpPr>
+          <p:cNvPr id="24" name="직사각형 23"/>
+          <p:cNvSpPr/>
+          <p:nvPr/>
+        </p:nvSpPr>
+        <p:spPr>
+          <a:xfrm>
+            <a:off x="9185564" y="4257718"/>
+            <a:ext cx="1216600" cy="548640"/>
+          </a:xfrm>
+          <a:prstGeom prst="rect">
+            <a:avLst/>
+          </a:prstGeom>
+          <a:noFill/>
+          <a:ln w="19050">
+            <a:solidFill>
+              <a:srgbClr val="FF0000"/>
+            </a:solidFill>
+          </a:ln>
+        </p:spPr>
+        <p:txBody>
+          <a:bodyPr rot="0" spcFirstLastPara="0" vertOverflow="overflow" horzOverflow="overflow" vert="horz" wrap="square" lIns="0" tIns="0" rIns="0" bIns="0" numCol="1" spcCol="0" rtlCol="0" fromWordArt="0" anchor="ctr" anchorCtr="0" forceAA="0" compatLnSpc="1">
+            <a:prstTxWarp prst="textNoShape">
+              <a:avLst/>
+            </a:prstTxWarp>
+            <a:noAutofit/>
+          </a:bodyPr>
+          <a:lstStyle/>
+          <a:p>
+            <a:pPr algn="ctr"/>
+            <a:endParaRPr lang="ko-KR" altLang="en-US" sz="900" b="1" dirty="0" smtClean="0">
+              <a:solidFill>
+                <a:schemeClr val="bg1"/>
+              </a:solidFill>
+              <a:effectLst>
+                <a:outerShdw blurRad="38100" dist="38100" dir="2700000" algn="tl">
+                  <a:srgbClr val="000000">
+                    <a:alpha val="43137"/>
+                  </a:srgbClr>
+                </a:outerShdw>
+              </a:effectLst>
+            </a:endParaRPr>
+          </a:p>
+        </p:txBody>
+      </p:sp>
+      <p:sp>
+        <p:nvSpPr>
+          <p:cNvPr id="25" name="TextBox 24"/>
+          <p:cNvSpPr txBox="1"/>
+          <p:nvPr/>
+        </p:nvSpPr>
+        <p:spPr>
+          <a:xfrm>
+            <a:off x="5919188" y="1034703"/>
+            <a:ext cx="431208" cy="138499"/>
+          </a:xfrm>
+          <a:prstGeom prst="rect">
+            <a:avLst/>
+          </a:prstGeom>
+          <a:noFill/>
+        </p:spPr>
+        <p:txBody>
+          <a:bodyPr wrap="none" lIns="0" tIns="0" rIns="0" bIns="0" rtlCol="0">
+            <a:spAutoFit/>
+          </a:bodyPr>
+          <a:lstStyle/>
+          <a:p>
+            <a:pPr algn="ctr"/>
+            <a:r>
+              <a:rPr lang="en-US" altLang="ko-KR" sz="900" b="1" smtClean="0">
+                <a:effectLst>
+                  <a:outerShdw blurRad="38100" dist="38100" dir="2700000" algn="tl">
+                    <a:srgbClr val="000000">
+                      <a:alpha val="43137"/>
+                    </a:srgbClr>
+                  </a:outerShdw>
+                </a:effectLst>
+              </a:rPr>
+              <a:t>Shot : 0</a:t>
+            </a:r>
+            <a:endParaRPr lang="ko-KR" altLang="en-US" sz="900" b="1" dirty="0" smtClean="0">
+              <a:effectLst>
+                <a:outerShdw blurRad="38100" dist="38100" dir="2700000" algn="tl">
+                  <a:srgbClr val="000000">
+                    <a:alpha val="43137"/>
+                  </a:srgbClr>
+                </a:outerShdw>
+              </a:effectLst>
+            </a:endParaRPr>
+          </a:p>
+        </p:txBody>
+      </p:sp>
+      <p:sp>
+        <p:nvSpPr>
+          <p:cNvPr id="27" name="TextBox 26"/>
+          <p:cNvSpPr txBox="1"/>
+          <p:nvPr/>
+        </p:nvSpPr>
+        <p:spPr>
+          <a:xfrm>
+            <a:off x="5022370" y="1809837"/>
+            <a:ext cx="2232984" cy="492443"/>
+          </a:xfrm>
+          <a:prstGeom prst="rect">
+            <a:avLst/>
+          </a:prstGeom>
+          <a:noFill/>
+        </p:spPr>
+        <p:txBody>
+          <a:bodyPr wrap="none" lIns="0" tIns="0" rIns="0" bIns="0" rtlCol="0">
+            <a:spAutoFit/>
+          </a:bodyPr>
+          <a:lstStyle/>
+          <a:p>
+            <a:pPr algn="ctr"/>
+            <a:r>
+              <a:rPr lang="en-US" altLang="ko-KR" sz="3200" b="1" smtClean="0">
+                <a:solidFill>
+                  <a:srgbClr val="FFFF00"/>
+                </a:solidFill>
+                <a:effectLst>
+                  <a:outerShdw blurRad="38100" dist="38100" dir="2700000" algn="tl">
+                    <a:srgbClr val="000000">
+                      <a:alpha val="43137"/>
+                    </a:srgbClr>
+                  </a:outerShdw>
+                </a:effectLst>
+              </a:rPr>
+              <a:t>Good Shot!</a:t>
+            </a:r>
+            <a:endParaRPr lang="ko-KR" altLang="en-US" sz="3200" b="1" dirty="0" smtClean="0">
+              <a:solidFill>
+                <a:srgbClr val="FFFF00"/>
+              </a:solidFill>
+              <a:effectLst>
+                <a:outerShdw blurRad="38100" dist="38100" dir="2700000" algn="tl">
+                  <a:srgbClr val="000000">
+                    <a:alpha val="43137"/>
+                  </a:srgbClr>
+                </a:outerShdw>
+              </a:effectLst>
+            </a:endParaRPr>
+          </a:p>
+        </p:txBody>
+      </p:sp>
+      <p:sp>
+        <p:nvSpPr>
+          <p:cNvPr id="28" name="직사각형 27"/>
+          <p:cNvSpPr/>
+          <p:nvPr/>
+        </p:nvSpPr>
+        <p:spPr>
+          <a:xfrm>
+            <a:off x="4247804" y="5370022"/>
+            <a:ext cx="3906981" cy="371475"/>
+          </a:xfrm>
+          <a:prstGeom prst="rect">
+            <a:avLst/>
+          </a:prstGeom>
+          <a:noFill/>
+          <a:ln w="19050">
+            <a:solidFill>
+              <a:srgbClr val="FF0000"/>
+            </a:solidFill>
+          </a:ln>
+        </p:spPr>
+        <p:txBody>
+          <a:bodyPr rot="0" spcFirstLastPara="0" vertOverflow="overflow" horzOverflow="overflow" vert="horz" wrap="square" lIns="0" tIns="0" rIns="0" bIns="0" numCol="1" spcCol="0" rtlCol="0" fromWordArt="0" anchor="ctr" anchorCtr="0" forceAA="0" compatLnSpc="1">
+            <a:prstTxWarp prst="textNoShape">
+              <a:avLst/>
+            </a:prstTxWarp>
+            <a:noAutofit/>
+          </a:bodyPr>
+          <a:lstStyle/>
+          <a:p>
+            <a:pPr algn="ctr"/>
+            <a:endParaRPr lang="ko-KR" altLang="en-US" sz="900" b="1" dirty="0" smtClean="0">
+              <a:solidFill>
+                <a:schemeClr val="bg1"/>
+              </a:solidFill>
+              <a:effectLst>
+                <a:outerShdw blurRad="38100" dist="38100" dir="2700000" algn="tl">
+                  <a:srgbClr val="000000">
+                    <a:alpha val="43137"/>
+                  </a:srgbClr>
+                </a:outerShdw>
+              </a:effectLst>
+            </a:endParaRPr>
+          </a:p>
+        </p:txBody>
+      </p:sp>
+      <p:sp>
+        <p:nvSpPr>
+          <p:cNvPr id="29" name="직사각형 28"/>
+          <p:cNvSpPr/>
+          <p:nvPr/>
+        </p:nvSpPr>
+        <p:spPr>
+          <a:xfrm>
+            <a:off x="9360131" y="4879571"/>
+            <a:ext cx="1047404" cy="939338"/>
+          </a:xfrm>
+          <a:prstGeom prst="rect">
+            <a:avLst/>
+          </a:prstGeom>
+          <a:noFill/>
+          <a:ln w="19050">
+            <a:solidFill>
+              <a:srgbClr val="FF0000"/>
+            </a:solidFill>
+          </a:ln>
+        </p:spPr>
+        <p:txBody>
+          <a:bodyPr rot="0" spcFirstLastPara="0" vertOverflow="overflow" horzOverflow="overflow" vert="horz" wrap="square" lIns="0" tIns="0" rIns="0" bIns="0" numCol="1" spcCol="0" rtlCol="0" fromWordArt="0" anchor="ctr" anchorCtr="0" forceAA="0" compatLnSpc="1">
+            <a:prstTxWarp prst="textNoShape">
+              <a:avLst/>
+            </a:prstTxWarp>
+            <a:noAutofit/>
+          </a:bodyPr>
+          <a:lstStyle/>
+          <a:p>
+            <a:pPr algn="ctr"/>
+            <a:endParaRPr lang="ko-KR" altLang="en-US" sz="900" b="1" dirty="0" smtClean="0">
+              <a:solidFill>
+                <a:schemeClr val="bg1"/>
+              </a:solidFill>
+              <a:effectLst>
+                <a:outerShdw blurRad="38100" dist="38100" dir="2700000" algn="tl">
+                  <a:srgbClr val="000000">
+                    <a:alpha val="43137"/>
+                  </a:srgbClr>
+                </a:outerShdw>
+              </a:effectLst>
+            </a:endParaRPr>
+          </a:p>
+        </p:txBody>
+      </p:sp>
+      <p:sp>
+        <p:nvSpPr>
+          <p:cNvPr id="30" name="직사각형 29"/>
+          <p:cNvSpPr/>
+          <p:nvPr/>
+        </p:nvSpPr>
+        <p:spPr>
+          <a:xfrm>
+            <a:off x="5744095" y="1034703"/>
+            <a:ext cx="798021" cy="175016"/>
+          </a:xfrm>
+          <a:prstGeom prst="rect">
+            <a:avLst/>
+          </a:prstGeom>
+          <a:noFill/>
+          <a:ln w="19050">
+            <a:solidFill>
+              <a:srgbClr val="FF0000"/>
+            </a:solidFill>
+          </a:ln>
+        </p:spPr>
+        <p:txBody>
+          <a:bodyPr rot="0" spcFirstLastPara="0" vertOverflow="overflow" horzOverflow="overflow" vert="horz" wrap="square" lIns="0" tIns="0" rIns="0" bIns="0" numCol="1" spcCol="0" rtlCol="0" fromWordArt="0" anchor="ctr" anchorCtr="0" forceAA="0" compatLnSpc="1">
+            <a:prstTxWarp prst="textNoShape">
+              <a:avLst/>
+            </a:prstTxWarp>
+            <a:noAutofit/>
+          </a:bodyPr>
+          <a:lstStyle/>
+          <a:p>
+            <a:pPr algn="ctr"/>
+            <a:endParaRPr lang="ko-KR" altLang="en-US" sz="900" b="1" dirty="0" smtClean="0">
+              <a:solidFill>
+                <a:schemeClr val="bg1"/>
+              </a:solidFill>
+              <a:effectLst>
+                <a:outerShdw blurRad="38100" dist="38100" dir="2700000" algn="tl">
+                  <a:srgbClr val="000000">
+                    <a:alpha val="43137"/>
+                  </a:srgbClr>
+                </a:outerShdw>
+              </a:effectLst>
+            </a:endParaRPr>
+          </a:p>
+        </p:txBody>
+      </p:sp>
+      <p:sp>
+        <p:nvSpPr>
+          <p:cNvPr id="31" name="타원 48">
+            <a:extLst>
+              <a:ext uri="{FF2B5EF4-FFF2-40B4-BE49-F238E27FC236}">
+                <a16:creationId xmlns:a16="http://schemas.microsoft.com/office/drawing/2014/main" id="{36AC97BA-6482-434D-8414-28320035C7A5}"/>
+              </a:ext>
+            </a:extLst>
+          </p:cNvPr>
+          <p:cNvSpPr/>
+          <p:nvPr/>
+        </p:nvSpPr>
+        <p:spPr>
+          <a:xfrm>
+            <a:off x="9207043" y="4813990"/>
+            <a:ext cx="239675" cy="224809"/>
+          </a:xfrm>
+          <a:prstGeom prst="ellipse">
+            <a:avLst/>
+          </a:prstGeom>
+          <a:solidFill>
+            <a:srgbClr val="FF0000"/>
+          </a:solidFill>
+          <a:ln w="12700">
+            <a:solidFill>
+              <a:schemeClr val="bg1"/>
+            </a:solidFill>
+          </a:ln>
+        </p:spPr>
+        <p:style>
+          <a:lnRef idx="2">
+            <a:schemeClr val="accent1">
+              <a:shade val="50000"/>
+            </a:schemeClr>
+          </a:lnRef>
+          <a:fillRef idx="1">
+            <a:schemeClr val="accent1"/>
+          </a:fillRef>
+          <a:effectRef idx="0">
+            <a:schemeClr val="accent1"/>
+          </a:effectRef>
+          <a:fontRef idx="minor">
+            <a:schemeClr val="lt1"/>
+          </a:fontRef>
+        </p:style>
+        <p:txBody>
+          <a:bodyPr rot="0" spcFirstLastPara="0" vertOverflow="overflow" horzOverflow="overflow" vert="horz" wrap="square" lIns="0" tIns="0" rIns="0" bIns="0" numCol="1" spcCol="0" rtlCol="0" fromWordArt="0" anchor="ctr" anchorCtr="0" forceAA="0" compatLnSpc="1">
+            <a:prstTxWarp prst="textNoShape">
+              <a:avLst/>
+            </a:prstTxWarp>
+            <a:noAutofit/>
+          </a:bodyPr>
+          <a:lstStyle/>
+          <a:p>
+            <a:pPr algn="ctr"/>
+            <a:r>
+              <a:rPr lang="en-US" altLang="ko-KR" sz="1000" smtClean="0">
+                <a:solidFill>
+                  <a:schemeClr val="bg1"/>
+                </a:solidFill>
+                <a:latin typeface="맑은 고딕" pitchFamily="50" charset="-127"/>
+                <a:ea typeface="맑은 고딕" pitchFamily="50" charset="-127"/>
+              </a:rPr>
+              <a:t>3</a:t>
+            </a:r>
+            <a:endParaRPr lang="ko-KR" altLang="en-US" sz="1000" dirty="0">
+              <a:solidFill>
+                <a:schemeClr val="bg1"/>
+              </a:solidFill>
+              <a:latin typeface="맑은 고딕" pitchFamily="50" charset="-127"/>
+              <a:ea typeface="맑은 고딕" pitchFamily="50" charset="-127"/>
+            </a:endParaRPr>
+          </a:p>
+        </p:txBody>
+      </p:sp>
+      <p:sp>
+        <p:nvSpPr>
+          <p:cNvPr id="32" name="직사각형 31"/>
+          <p:cNvSpPr/>
+          <p:nvPr/>
+        </p:nvSpPr>
+        <p:spPr>
+          <a:xfrm>
+            <a:off x="1920240" y="2693324"/>
+            <a:ext cx="7373389" cy="964276"/>
+          </a:xfrm>
+          <a:prstGeom prst="rect">
+            <a:avLst/>
+          </a:prstGeom>
+          <a:noFill/>
+          <a:ln w="19050">
+            <a:solidFill>
+              <a:srgbClr val="FF0000"/>
+            </a:solidFill>
+          </a:ln>
+        </p:spPr>
+        <p:txBody>
+          <a:bodyPr rot="0" spcFirstLastPara="0" vertOverflow="overflow" horzOverflow="overflow" vert="horz" wrap="square" lIns="0" tIns="0" rIns="0" bIns="0" numCol="1" spcCol="0" rtlCol="0" fromWordArt="0" anchor="ctr" anchorCtr="0" forceAA="0" compatLnSpc="1">
+            <a:prstTxWarp prst="textNoShape">
+              <a:avLst/>
+            </a:prstTxWarp>
+            <a:noAutofit/>
+          </a:bodyPr>
+          <a:lstStyle/>
+          <a:p>
+            <a:pPr algn="ctr"/>
+            <a:endParaRPr lang="ko-KR" altLang="en-US" sz="900" b="1" dirty="0" smtClean="0">
+              <a:solidFill>
+                <a:schemeClr val="bg1"/>
+              </a:solidFill>
+              <a:effectLst>
+                <a:outerShdw blurRad="38100" dist="38100" dir="2700000" algn="tl">
+                  <a:srgbClr val="000000">
+                    <a:alpha val="43137"/>
+                  </a:srgbClr>
+                </a:outerShdw>
+              </a:effectLst>
+            </a:endParaRPr>
+          </a:p>
+        </p:txBody>
+      </p:sp>
+      <p:sp>
+        <p:nvSpPr>
+          <p:cNvPr id="33" name="타원 48">
+            <a:extLst>
+              <a:ext uri="{FF2B5EF4-FFF2-40B4-BE49-F238E27FC236}">
+                <a16:creationId xmlns:a16="http://schemas.microsoft.com/office/drawing/2014/main" id="{36AC97BA-6482-434D-8414-28320035C7A5}"/>
+              </a:ext>
+            </a:extLst>
+          </p:cNvPr>
+          <p:cNvSpPr/>
+          <p:nvPr/>
+        </p:nvSpPr>
+        <p:spPr>
+          <a:xfrm>
+            <a:off x="4094716" y="5196179"/>
+            <a:ext cx="239675" cy="224809"/>
+          </a:xfrm>
+          <a:prstGeom prst="ellipse">
+            <a:avLst/>
+          </a:prstGeom>
+          <a:solidFill>
+            <a:srgbClr val="FF0000"/>
+          </a:solidFill>
+          <a:ln w="12700">
+            <a:solidFill>
+              <a:schemeClr val="bg1"/>
+            </a:solidFill>
+          </a:ln>
+        </p:spPr>
+        <p:style>
+          <a:lnRef idx="2">
+            <a:schemeClr val="accent1">
+              <a:shade val="50000"/>
+            </a:schemeClr>
+          </a:lnRef>
+          <a:fillRef idx="1">
+            <a:schemeClr val="accent1"/>
+          </a:fillRef>
+          <a:effectRef idx="0">
+            <a:schemeClr val="accent1"/>
+          </a:effectRef>
+          <a:fontRef idx="minor">
+            <a:schemeClr val="lt1"/>
+          </a:fontRef>
+        </p:style>
+        <p:txBody>
+          <a:bodyPr rot="0" spcFirstLastPara="0" vertOverflow="overflow" horzOverflow="overflow" vert="horz" wrap="square" lIns="0" tIns="0" rIns="0" bIns="0" numCol="1" spcCol="0" rtlCol="0" fromWordArt="0" anchor="ctr" anchorCtr="0" forceAA="0" compatLnSpc="1">
+            <a:prstTxWarp prst="textNoShape">
+              <a:avLst/>
+            </a:prstTxWarp>
+            <a:noAutofit/>
+          </a:bodyPr>
+          <a:lstStyle/>
+          <a:p>
+            <a:pPr algn="ctr"/>
+            <a:r>
+              <a:rPr lang="en-US" altLang="ko-KR" sz="1000" smtClean="0">
+                <a:solidFill>
+                  <a:schemeClr val="bg1"/>
+                </a:solidFill>
+                <a:latin typeface="맑은 고딕" pitchFamily="50" charset="-127"/>
+                <a:ea typeface="맑은 고딕" pitchFamily="50" charset="-127"/>
+              </a:rPr>
+              <a:t>4</a:t>
+            </a:r>
+            <a:endParaRPr lang="ko-KR" altLang="en-US" sz="1000" dirty="0">
+              <a:solidFill>
+                <a:schemeClr val="bg1"/>
+              </a:solidFill>
+              <a:latin typeface="맑은 고딕" pitchFamily="50" charset="-127"/>
+              <a:ea typeface="맑은 고딕" pitchFamily="50" charset="-127"/>
+            </a:endParaRPr>
+          </a:p>
+        </p:txBody>
+      </p:sp>
+      <p:sp>
+        <p:nvSpPr>
+          <p:cNvPr id="34" name="타원 48">
+            <a:extLst>
+              <a:ext uri="{FF2B5EF4-FFF2-40B4-BE49-F238E27FC236}">
+                <a16:creationId xmlns:a16="http://schemas.microsoft.com/office/drawing/2014/main" id="{36AC97BA-6482-434D-8414-28320035C7A5}"/>
+              </a:ext>
+            </a:extLst>
+          </p:cNvPr>
+          <p:cNvSpPr/>
+          <p:nvPr/>
+        </p:nvSpPr>
+        <p:spPr>
+          <a:xfrm>
+            <a:off x="5541442" y="4257322"/>
+            <a:ext cx="239675" cy="224809"/>
+          </a:xfrm>
+          <a:prstGeom prst="ellipse">
+            <a:avLst/>
+          </a:prstGeom>
+          <a:solidFill>
+            <a:srgbClr val="FF0000"/>
+          </a:solidFill>
+          <a:ln w="12700">
+            <a:solidFill>
+              <a:schemeClr val="bg1"/>
+            </a:solidFill>
+          </a:ln>
+        </p:spPr>
+        <p:style>
+          <a:lnRef idx="2">
+            <a:schemeClr val="accent1">
+              <a:shade val="50000"/>
+            </a:schemeClr>
+          </a:lnRef>
+          <a:fillRef idx="1">
+            <a:schemeClr val="accent1"/>
+          </a:fillRef>
+          <a:effectRef idx="0">
+            <a:schemeClr val="accent1"/>
+          </a:effectRef>
+          <a:fontRef idx="minor">
+            <a:schemeClr val="lt1"/>
+          </a:fontRef>
+        </p:style>
+        <p:txBody>
+          <a:bodyPr rot="0" spcFirstLastPara="0" vertOverflow="overflow" horzOverflow="overflow" vert="horz" wrap="square" lIns="0" tIns="0" rIns="0" bIns="0" numCol="1" spcCol="0" rtlCol="0" fromWordArt="0" anchor="ctr" anchorCtr="0" forceAA="0" compatLnSpc="1">
+            <a:prstTxWarp prst="textNoShape">
+              <a:avLst/>
+            </a:prstTxWarp>
+            <a:noAutofit/>
+          </a:bodyPr>
+          <a:lstStyle/>
+          <a:p>
+            <a:pPr algn="ctr"/>
+            <a:r>
+              <a:rPr lang="en-US" altLang="ko-KR" sz="1000" smtClean="0">
+                <a:solidFill>
+                  <a:schemeClr val="bg1"/>
+                </a:solidFill>
+                <a:latin typeface="맑은 고딕" pitchFamily="50" charset="-127"/>
+                <a:ea typeface="맑은 고딕" pitchFamily="50" charset="-127"/>
+              </a:rPr>
+              <a:t>5</a:t>
+            </a:r>
+            <a:endParaRPr lang="ko-KR" altLang="en-US" sz="1000" dirty="0">
+              <a:solidFill>
+                <a:schemeClr val="bg1"/>
+              </a:solidFill>
+              <a:latin typeface="맑은 고딕" pitchFamily="50" charset="-127"/>
+              <a:ea typeface="맑은 고딕" pitchFamily="50" charset="-127"/>
+            </a:endParaRPr>
+          </a:p>
+        </p:txBody>
+      </p:sp>
+      <p:sp>
+        <p:nvSpPr>
+          <p:cNvPr id="35" name="타원 48">
+            <a:extLst>
+              <a:ext uri="{FF2B5EF4-FFF2-40B4-BE49-F238E27FC236}">
+                <a16:creationId xmlns:a16="http://schemas.microsoft.com/office/drawing/2014/main" id="{36AC97BA-6482-434D-8414-28320035C7A5}"/>
+              </a:ext>
+            </a:extLst>
+          </p:cNvPr>
+          <p:cNvSpPr/>
+          <p:nvPr/>
+        </p:nvSpPr>
+        <p:spPr>
+          <a:xfrm>
+            <a:off x="5799350" y="3345075"/>
+            <a:ext cx="239675" cy="224809"/>
+          </a:xfrm>
+          <a:prstGeom prst="ellipse">
+            <a:avLst/>
+          </a:prstGeom>
+          <a:solidFill>
+            <a:srgbClr val="FF0000"/>
+          </a:solidFill>
+          <a:ln w="12700">
+            <a:solidFill>
+              <a:schemeClr val="bg1"/>
+            </a:solidFill>
+          </a:ln>
+        </p:spPr>
+        <p:style>
+          <a:lnRef idx="2">
+            <a:schemeClr val="accent1">
+              <a:shade val="50000"/>
+            </a:schemeClr>
+          </a:lnRef>
+          <a:fillRef idx="1">
+            <a:schemeClr val="accent1"/>
+          </a:fillRef>
+          <a:effectRef idx="0">
+            <a:schemeClr val="accent1"/>
+          </a:effectRef>
+          <a:fontRef idx="minor">
+            <a:schemeClr val="lt1"/>
+          </a:fontRef>
+        </p:style>
+        <p:txBody>
+          <a:bodyPr rot="0" spcFirstLastPara="0" vertOverflow="overflow" horzOverflow="overflow" vert="horz" wrap="square" lIns="0" tIns="0" rIns="0" bIns="0" numCol="1" spcCol="0" rtlCol="0" fromWordArt="0" anchor="ctr" anchorCtr="0" forceAA="0" compatLnSpc="1">
+            <a:prstTxWarp prst="textNoShape">
+              <a:avLst/>
+            </a:prstTxWarp>
+            <a:noAutofit/>
+          </a:bodyPr>
+          <a:lstStyle/>
+          <a:p>
+            <a:pPr algn="ctr"/>
+            <a:r>
+              <a:rPr lang="en-US" altLang="ko-KR" sz="1000" smtClean="0">
+                <a:solidFill>
+                  <a:schemeClr val="bg1"/>
+                </a:solidFill>
+                <a:latin typeface="맑은 고딕" pitchFamily="50" charset="-127"/>
+                <a:ea typeface="맑은 고딕" pitchFamily="50" charset="-127"/>
+              </a:rPr>
+              <a:t>2</a:t>
+            </a:r>
+            <a:endParaRPr lang="ko-KR" altLang="en-US" sz="1000" dirty="0">
+              <a:solidFill>
+                <a:schemeClr val="bg1"/>
+              </a:solidFill>
+              <a:latin typeface="맑은 고딕" pitchFamily="50" charset="-127"/>
+              <a:ea typeface="맑은 고딕" pitchFamily="50" charset="-127"/>
+            </a:endParaRPr>
+          </a:p>
+        </p:txBody>
+      </p:sp>
+      <p:sp>
+        <p:nvSpPr>
+          <p:cNvPr id="36" name="타원 48">
+            <a:extLst>
+              <a:ext uri="{FF2B5EF4-FFF2-40B4-BE49-F238E27FC236}">
+                <a16:creationId xmlns:a16="http://schemas.microsoft.com/office/drawing/2014/main" id="{36AC97BA-6482-434D-8414-28320035C7A5}"/>
+              </a:ext>
+            </a:extLst>
+          </p:cNvPr>
+          <p:cNvSpPr/>
+          <p:nvPr/>
+        </p:nvSpPr>
+        <p:spPr>
+          <a:xfrm>
+            <a:off x="8993556" y="4114131"/>
+            <a:ext cx="239675" cy="224809"/>
+          </a:xfrm>
+          <a:prstGeom prst="ellipse">
+            <a:avLst/>
+          </a:prstGeom>
+          <a:solidFill>
+            <a:srgbClr val="FF0000"/>
+          </a:solidFill>
+          <a:ln w="12700">
+            <a:solidFill>
+              <a:schemeClr val="bg1"/>
+            </a:solidFill>
+          </a:ln>
+        </p:spPr>
+        <p:style>
+          <a:lnRef idx="2">
+            <a:schemeClr val="accent1">
+              <a:shade val="50000"/>
+            </a:schemeClr>
+          </a:lnRef>
+          <a:fillRef idx="1">
+            <a:schemeClr val="accent1"/>
+          </a:fillRef>
+          <a:effectRef idx="0">
+            <a:schemeClr val="accent1"/>
+          </a:effectRef>
+          <a:fontRef idx="minor">
+            <a:schemeClr val="lt1"/>
+          </a:fontRef>
+        </p:style>
+        <p:txBody>
+          <a:bodyPr rot="0" spcFirstLastPara="0" vertOverflow="overflow" horzOverflow="overflow" vert="horz" wrap="square" lIns="0" tIns="0" rIns="0" bIns="0" numCol="1" spcCol="0" rtlCol="0" fromWordArt="0" anchor="ctr" anchorCtr="0" forceAA="0" compatLnSpc="1">
+            <a:prstTxWarp prst="textNoShape">
+              <a:avLst/>
+            </a:prstTxWarp>
+            <a:noAutofit/>
+          </a:bodyPr>
+          <a:lstStyle/>
+          <a:p>
+            <a:pPr algn="ctr"/>
+            <a:r>
+              <a:rPr lang="en-US" altLang="ko-KR" sz="1000" dirty="0" smtClean="0">
+                <a:solidFill>
+                  <a:schemeClr val="bg1"/>
+                </a:solidFill>
+                <a:latin typeface="맑은 고딕" pitchFamily="50" charset="-127"/>
+                <a:ea typeface="맑은 고딕" pitchFamily="50" charset="-127"/>
+              </a:rPr>
+              <a:t>1</a:t>
+            </a:r>
+            <a:endParaRPr lang="ko-KR" altLang="en-US" sz="1000" dirty="0">
+              <a:solidFill>
+                <a:schemeClr val="bg1"/>
+              </a:solidFill>
+              <a:latin typeface="맑은 고딕" pitchFamily="50" charset="-127"/>
+              <a:ea typeface="맑은 고딕" pitchFamily="50" charset="-127"/>
+            </a:endParaRPr>
+          </a:p>
+        </p:txBody>
+      </p:sp>
+      <p:sp>
+        <p:nvSpPr>
+          <p:cNvPr id="37" name="타원 48">
+            <a:extLst>
+              <a:ext uri="{FF2B5EF4-FFF2-40B4-BE49-F238E27FC236}">
+                <a16:creationId xmlns:a16="http://schemas.microsoft.com/office/drawing/2014/main" id="{36AC97BA-6482-434D-8414-28320035C7A5}"/>
+              </a:ext>
+            </a:extLst>
+          </p:cNvPr>
+          <p:cNvSpPr/>
+          <p:nvPr/>
+        </p:nvSpPr>
+        <p:spPr>
+          <a:xfrm>
+            <a:off x="1767152" y="2553021"/>
+            <a:ext cx="239675" cy="224809"/>
+          </a:xfrm>
+          <a:prstGeom prst="ellipse">
+            <a:avLst/>
+          </a:prstGeom>
+          <a:solidFill>
+            <a:srgbClr val="FF0000"/>
+          </a:solidFill>
+          <a:ln w="12700">
+            <a:solidFill>
+              <a:schemeClr val="bg1"/>
+            </a:solidFill>
+          </a:ln>
+        </p:spPr>
+        <p:style>
+          <a:lnRef idx="2">
+            <a:schemeClr val="accent1">
+              <a:shade val="50000"/>
+            </a:schemeClr>
+          </a:lnRef>
+          <a:fillRef idx="1">
+            <a:schemeClr val="accent1"/>
+          </a:fillRef>
+          <a:effectRef idx="0">
+            <a:schemeClr val="accent1"/>
+          </a:effectRef>
+          <a:fontRef idx="minor">
+            <a:schemeClr val="lt1"/>
+          </a:fontRef>
+        </p:style>
+        <p:txBody>
+          <a:bodyPr rot="0" spcFirstLastPara="0" vertOverflow="overflow" horzOverflow="overflow" vert="horz" wrap="square" lIns="0" tIns="0" rIns="0" bIns="0" numCol="1" spcCol="0" rtlCol="0" fromWordArt="0" anchor="ctr" anchorCtr="0" forceAA="0" compatLnSpc="1">
+            <a:prstTxWarp prst="textNoShape">
+              <a:avLst/>
+            </a:prstTxWarp>
+            <a:noAutofit/>
+          </a:bodyPr>
+          <a:lstStyle/>
+          <a:p>
+            <a:pPr algn="ctr"/>
+            <a:r>
+              <a:rPr lang="en-US" altLang="ko-KR" sz="1000" smtClean="0">
+                <a:solidFill>
+                  <a:schemeClr val="bg1"/>
+                </a:solidFill>
+                <a:latin typeface="맑은 고딕" pitchFamily="50" charset="-127"/>
+                <a:ea typeface="맑은 고딕" pitchFamily="50" charset="-127"/>
+              </a:rPr>
+              <a:t>6</a:t>
+            </a:r>
+            <a:endParaRPr lang="ko-KR" altLang="en-US" sz="1000" dirty="0">
+              <a:solidFill>
+                <a:schemeClr val="bg1"/>
+              </a:solidFill>
+              <a:latin typeface="맑은 고딕" pitchFamily="50" charset="-127"/>
+              <a:ea typeface="맑은 고딕" pitchFamily="50" charset="-127"/>
+            </a:endParaRPr>
+          </a:p>
+        </p:txBody>
+      </p:sp>
+      <p:sp>
+        <p:nvSpPr>
+          <p:cNvPr id="38" name="타원 48">
+            <a:extLst>
+              <a:ext uri="{FF2B5EF4-FFF2-40B4-BE49-F238E27FC236}">
+                <a16:creationId xmlns:a16="http://schemas.microsoft.com/office/drawing/2014/main" id="{36AC97BA-6482-434D-8414-28320035C7A5}"/>
+              </a:ext>
+            </a:extLst>
+          </p:cNvPr>
+          <p:cNvSpPr/>
+          <p:nvPr/>
+        </p:nvSpPr>
+        <p:spPr>
+          <a:xfrm>
+            <a:off x="5581995" y="889806"/>
+            <a:ext cx="239675" cy="224809"/>
+          </a:xfrm>
+          <a:prstGeom prst="ellipse">
+            <a:avLst/>
+          </a:prstGeom>
+          <a:solidFill>
+            <a:srgbClr val="FF0000"/>
+          </a:solidFill>
+          <a:ln w="12700">
+            <a:solidFill>
+              <a:schemeClr val="bg1"/>
+            </a:solidFill>
+          </a:ln>
+        </p:spPr>
+        <p:style>
+          <a:lnRef idx="2">
+            <a:schemeClr val="accent1">
+              <a:shade val="50000"/>
+            </a:schemeClr>
+          </a:lnRef>
+          <a:fillRef idx="1">
+            <a:schemeClr val="accent1"/>
+          </a:fillRef>
+          <a:effectRef idx="0">
+            <a:schemeClr val="accent1"/>
+          </a:effectRef>
+          <a:fontRef idx="minor">
+            <a:schemeClr val="lt1"/>
+          </a:fontRef>
+        </p:style>
+        <p:txBody>
+          <a:bodyPr rot="0" spcFirstLastPara="0" vertOverflow="overflow" horzOverflow="overflow" vert="horz" wrap="square" lIns="0" tIns="0" rIns="0" bIns="0" numCol="1" spcCol="0" rtlCol="0" fromWordArt="0" anchor="ctr" anchorCtr="0" forceAA="0" compatLnSpc="1">
+            <a:prstTxWarp prst="textNoShape">
+              <a:avLst/>
+            </a:prstTxWarp>
+            <a:noAutofit/>
+          </a:bodyPr>
+          <a:lstStyle/>
+          <a:p>
+            <a:pPr algn="ctr"/>
+            <a:r>
+              <a:rPr lang="en-US" altLang="ko-KR" sz="1000" smtClean="0">
+                <a:solidFill>
+                  <a:schemeClr val="bg1"/>
+                </a:solidFill>
+                <a:latin typeface="맑은 고딕" pitchFamily="50" charset="-127"/>
+                <a:ea typeface="맑은 고딕" pitchFamily="50" charset="-127"/>
+              </a:rPr>
+              <a:t>9</a:t>
+            </a:r>
+            <a:endParaRPr lang="ko-KR" altLang="en-US" sz="1000" dirty="0">
+              <a:solidFill>
+                <a:schemeClr val="bg1"/>
+              </a:solidFill>
+              <a:latin typeface="맑은 고딕" pitchFamily="50" charset="-127"/>
+              <a:ea typeface="맑은 고딕" pitchFamily="50" charset="-127"/>
+            </a:endParaRPr>
+          </a:p>
+        </p:txBody>
+      </p:sp>
+      <p:sp>
+        <p:nvSpPr>
+          <p:cNvPr id="39" name="타원 48">
+            <a:extLst>
+              <a:ext uri="{FF2B5EF4-FFF2-40B4-BE49-F238E27FC236}">
+                <a16:creationId xmlns:a16="http://schemas.microsoft.com/office/drawing/2014/main" id="{36AC97BA-6482-434D-8414-28320035C7A5}"/>
+              </a:ext>
+            </a:extLst>
+          </p:cNvPr>
+          <p:cNvSpPr/>
+          <p:nvPr/>
+        </p:nvSpPr>
+        <p:spPr>
+          <a:xfrm>
+            <a:off x="2257601" y="948065"/>
+            <a:ext cx="239675" cy="224809"/>
+          </a:xfrm>
+          <a:prstGeom prst="ellipse">
+            <a:avLst/>
+          </a:prstGeom>
+          <a:solidFill>
+            <a:srgbClr val="FF0000"/>
+          </a:solidFill>
+          <a:ln w="12700">
+            <a:solidFill>
+              <a:schemeClr val="bg1"/>
+            </a:solidFill>
+          </a:ln>
+        </p:spPr>
+        <p:style>
+          <a:lnRef idx="2">
+            <a:schemeClr val="accent1">
+              <a:shade val="50000"/>
+            </a:schemeClr>
+          </a:lnRef>
+          <a:fillRef idx="1">
+            <a:schemeClr val="accent1"/>
+          </a:fillRef>
+          <a:effectRef idx="0">
+            <a:schemeClr val="accent1"/>
+          </a:effectRef>
+          <a:fontRef idx="minor">
+            <a:schemeClr val="lt1"/>
+          </a:fontRef>
+        </p:style>
+        <p:txBody>
+          <a:bodyPr rot="0" spcFirstLastPara="0" vertOverflow="overflow" horzOverflow="overflow" vert="horz" wrap="square" lIns="0" tIns="0" rIns="0" bIns="0" numCol="1" spcCol="0" rtlCol="0" fromWordArt="0" anchor="ctr" anchorCtr="0" forceAA="0" compatLnSpc="1">
+            <a:prstTxWarp prst="textNoShape">
+              <a:avLst/>
+            </a:prstTxWarp>
+            <a:noAutofit/>
+          </a:bodyPr>
+          <a:lstStyle/>
+          <a:p>
+            <a:pPr algn="ctr"/>
+            <a:r>
+              <a:rPr lang="en-US" altLang="ko-KR" sz="1000" smtClean="0">
+                <a:solidFill>
+                  <a:schemeClr val="bg1"/>
+                </a:solidFill>
+                <a:latin typeface="맑은 고딕" pitchFamily="50" charset="-127"/>
+                <a:ea typeface="맑은 고딕" pitchFamily="50" charset="-127"/>
+              </a:rPr>
+              <a:t>8</a:t>
+            </a:r>
+            <a:endParaRPr lang="ko-KR" altLang="en-US" sz="1000" dirty="0">
+              <a:solidFill>
+                <a:schemeClr val="bg1"/>
+              </a:solidFill>
+              <a:latin typeface="맑은 고딕" pitchFamily="50" charset="-127"/>
+              <a:ea typeface="맑은 고딕" pitchFamily="50" charset="-127"/>
+            </a:endParaRPr>
+          </a:p>
+        </p:txBody>
+      </p:sp>
+      <p:sp>
+        <p:nvSpPr>
+          <p:cNvPr id="40" name="타원 48">
+            <a:extLst>
+              <a:ext uri="{FF2B5EF4-FFF2-40B4-BE49-F238E27FC236}">
+                <a16:creationId xmlns:a16="http://schemas.microsoft.com/office/drawing/2014/main" id="{36AC97BA-6482-434D-8414-28320035C7A5}"/>
+              </a:ext>
+            </a:extLst>
+          </p:cNvPr>
+          <p:cNvSpPr/>
+          <p:nvPr/>
+        </p:nvSpPr>
+        <p:spPr>
+          <a:xfrm>
+            <a:off x="2285971" y="2015653"/>
+            <a:ext cx="239675" cy="224809"/>
+          </a:xfrm>
+          <a:prstGeom prst="ellipse">
+            <a:avLst/>
+          </a:prstGeom>
+          <a:solidFill>
+            <a:srgbClr val="FF0000"/>
+          </a:solidFill>
+          <a:ln w="12700">
+            <a:solidFill>
+              <a:schemeClr val="bg1"/>
+            </a:solidFill>
+          </a:ln>
+        </p:spPr>
+        <p:style>
+          <a:lnRef idx="2">
+            <a:schemeClr val="accent1">
+              <a:shade val="50000"/>
+            </a:schemeClr>
+          </a:lnRef>
+          <a:fillRef idx="1">
+            <a:schemeClr val="accent1"/>
+          </a:fillRef>
+          <a:effectRef idx="0">
+            <a:schemeClr val="accent1"/>
+          </a:effectRef>
+          <a:fontRef idx="minor">
+            <a:schemeClr val="lt1"/>
+          </a:fontRef>
+        </p:style>
+        <p:txBody>
+          <a:bodyPr rot="0" spcFirstLastPara="0" vertOverflow="overflow" horzOverflow="overflow" vert="horz" wrap="square" lIns="0" tIns="0" rIns="0" bIns="0" numCol="1" spcCol="0" rtlCol="0" fromWordArt="0" anchor="ctr" anchorCtr="0" forceAA="0" compatLnSpc="1">
+            <a:prstTxWarp prst="textNoShape">
+              <a:avLst/>
+            </a:prstTxWarp>
+            <a:noAutofit/>
+          </a:bodyPr>
+          <a:lstStyle/>
+          <a:p>
+            <a:pPr algn="ctr"/>
+            <a:r>
+              <a:rPr lang="en-US" altLang="ko-KR" sz="1000" smtClean="0">
+                <a:solidFill>
+                  <a:schemeClr val="bg1"/>
+                </a:solidFill>
+                <a:latin typeface="맑은 고딕" pitchFamily="50" charset="-127"/>
+                <a:ea typeface="맑은 고딕" pitchFamily="50" charset="-127"/>
+              </a:rPr>
+              <a:t>7</a:t>
+            </a:r>
+            <a:endParaRPr lang="ko-KR" altLang="en-US" sz="1000" dirty="0">
+              <a:solidFill>
+                <a:schemeClr val="bg1"/>
+              </a:solidFill>
+              <a:latin typeface="맑은 고딕" pitchFamily="50" charset="-127"/>
+              <a:ea typeface="맑은 고딕" pitchFamily="50" charset="-127"/>
+            </a:endParaRPr>
+          </a:p>
+        </p:txBody>
+      </p:sp>
+      <p:sp>
+        <p:nvSpPr>
+          <p:cNvPr id="41" name="직사각형 40"/>
+          <p:cNvSpPr/>
+          <p:nvPr/>
+        </p:nvSpPr>
+        <p:spPr>
+          <a:xfrm>
+            <a:off x="4954385" y="1809837"/>
+            <a:ext cx="2369128" cy="559290"/>
+          </a:xfrm>
+          <a:prstGeom prst="rect">
+            <a:avLst/>
+          </a:prstGeom>
+          <a:noFill/>
+          <a:ln w="19050">
+            <a:solidFill>
+              <a:srgbClr val="FF0000"/>
+            </a:solidFill>
+          </a:ln>
+        </p:spPr>
+        <p:txBody>
+          <a:bodyPr rot="0" spcFirstLastPara="0" vertOverflow="overflow" horzOverflow="overflow" vert="horz" wrap="square" lIns="0" tIns="0" rIns="0" bIns="0" numCol="1" spcCol="0" rtlCol="0" fromWordArt="0" anchor="ctr" anchorCtr="0" forceAA="0" compatLnSpc="1">
+            <a:prstTxWarp prst="textNoShape">
+              <a:avLst/>
+            </a:prstTxWarp>
+            <a:noAutofit/>
+          </a:bodyPr>
+          <a:lstStyle/>
+          <a:p>
+            <a:pPr algn="ctr"/>
+            <a:endParaRPr lang="ko-KR" altLang="en-US" sz="900" b="1" dirty="0" smtClean="0">
+              <a:solidFill>
+                <a:schemeClr val="bg1"/>
+              </a:solidFill>
+              <a:effectLst>
+                <a:outerShdw blurRad="38100" dist="38100" dir="2700000" algn="tl">
+                  <a:srgbClr val="000000">
+                    <a:alpha val="43137"/>
+                  </a:srgbClr>
+                </a:outerShdw>
+              </a:effectLst>
+            </a:endParaRPr>
+          </a:p>
+        </p:txBody>
+      </p:sp>
+      <p:sp>
+        <p:nvSpPr>
+          <p:cNvPr id="42" name="타원 48">
+            <a:extLst>
+              <a:ext uri="{FF2B5EF4-FFF2-40B4-BE49-F238E27FC236}">
+                <a16:creationId xmlns:a16="http://schemas.microsoft.com/office/drawing/2014/main" id="{36AC97BA-6482-434D-8414-28320035C7A5}"/>
+              </a:ext>
+            </a:extLst>
+          </p:cNvPr>
+          <p:cNvSpPr/>
+          <p:nvPr/>
+        </p:nvSpPr>
+        <p:spPr>
+          <a:xfrm>
+            <a:off x="4801297" y="1721444"/>
+            <a:ext cx="239675" cy="224809"/>
+          </a:xfrm>
+          <a:prstGeom prst="ellipse">
+            <a:avLst/>
+          </a:prstGeom>
+          <a:solidFill>
+            <a:srgbClr val="FF0000"/>
+          </a:solidFill>
+          <a:ln w="12700">
+            <a:solidFill>
+              <a:schemeClr val="bg1"/>
+            </a:solidFill>
+          </a:ln>
+        </p:spPr>
+        <p:style>
+          <a:lnRef idx="2">
+            <a:schemeClr val="accent1">
+              <a:shade val="50000"/>
+            </a:schemeClr>
+          </a:lnRef>
+          <a:fillRef idx="1">
+            <a:schemeClr val="accent1"/>
+          </a:fillRef>
+          <a:effectRef idx="0">
+            <a:schemeClr val="accent1"/>
+          </a:effectRef>
+          <a:fontRef idx="minor">
+            <a:schemeClr val="lt1"/>
+          </a:fontRef>
+        </p:style>
+        <p:txBody>
+          <a:bodyPr rot="0" spcFirstLastPara="0" vertOverflow="overflow" horzOverflow="overflow" vert="horz" wrap="square" lIns="0" tIns="0" rIns="0" bIns="0" numCol="1" spcCol="0" rtlCol="0" fromWordArt="0" anchor="ctr" anchorCtr="0" forceAA="0" compatLnSpc="1">
+            <a:prstTxWarp prst="textNoShape">
+              <a:avLst/>
+            </a:prstTxWarp>
+            <a:noAutofit/>
+          </a:bodyPr>
+          <a:lstStyle/>
+          <a:p>
+            <a:pPr algn="ctr"/>
+            <a:r>
+              <a:rPr lang="en-US" altLang="ko-KR" sz="1000" smtClean="0">
+                <a:solidFill>
+                  <a:schemeClr val="bg1"/>
+                </a:solidFill>
+                <a:latin typeface="맑은 고딕" pitchFamily="50" charset="-127"/>
+                <a:ea typeface="맑은 고딕" pitchFamily="50" charset="-127"/>
+              </a:rPr>
+              <a:t>10</a:t>
+            </a:r>
+            <a:endParaRPr lang="ko-KR" altLang="en-US" sz="1000" dirty="0">
+              <a:solidFill>
+                <a:schemeClr val="bg1"/>
+              </a:solidFill>
+              <a:latin typeface="맑은 고딕" pitchFamily="50" charset="-127"/>
+              <a:ea typeface="맑은 고딕" pitchFamily="50" charset="-127"/>
+            </a:endParaRPr>
+          </a:p>
+        </p:txBody>
+      </p:sp>
+      <p:sp>
+        <p:nvSpPr>
+          <p:cNvPr id="43" name="TextBox 42"/>
+          <p:cNvSpPr txBox="1"/>
+          <p:nvPr/>
+        </p:nvSpPr>
+        <p:spPr>
+          <a:xfrm>
+            <a:off x="2916970" y="340822"/>
+            <a:ext cx="5934317" cy="138499"/>
+          </a:xfrm>
+          <a:prstGeom prst="rect">
+            <a:avLst/>
+          </a:prstGeom>
+          <a:noFill/>
+        </p:spPr>
+        <p:txBody>
+          <a:bodyPr wrap="none" lIns="0" tIns="0" rIns="0" bIns="0" rtlCol="0">
+            <a:spAutoFit/>
+          </a:bodyPr>
+          <a:lstStyle/>
+          <a:p>
+            <a:r>
+              <a:rPr lang="ko-KR" altLang="en-US" sz="900" b="1" smtClean="0">
+                <a:effectLst>
+                  <a:outerShdw blurRad="38100" dist="38100" dir="2700000" algn="tl">
+                    <a:srgbClr val="000000">
+                      <a:alpha val="43137"/>
+                    </a:srgbClr>
+                  </a:outerShdw>
+                </a:effectLst>
+              </a:rPr>
+              <a:t>의논 </a:t>
+            </a:r>
+            <a:r>
+              <a:rPr lang="en-US" altLang="ko-KR" sz="900" b="1" smtClean="0">
+                <a:effectLst>
+                  <a:outerShdw blurRad="38100" dist="38100" dir="2700000" algn="tl">
+                    <a:srgbClr val="000000">
+                      <a:alpha val="43137"/>
+                    </a:srgbClr>
+                  </a:outerShdw>
+                </a:effectLst>
+              </a:rPr>
+              <a:t>: </a:t>
+            </a:r>
+            <a:r>
+              <a:rPr lang="ko-KR" altLang="en-US" sz="900" b="1" smtClean="0">
+                <a:effectLst>
+                  <a:outerShdw blurRad="38100" dist="38100" dir="2700000" algn="tl">
+                    <a:srgbClr val="000000">
+                      <a:alpha val="43137"/>
+                    </a:srgbClr>
+                  </a:outerShdw>
+                </a:effectLst>
+              </a:rPr>
+              <a:t>맵크기</a:t>
+            </a:r>
+            <a:r>
+              <a:rPr lang="en-US" altLang="ko-KR" sz="900" b="1" smtClean="0">
+                <a:effectLst>
+                  <a:outerShdw blurRad="38100" dist="38100" dir="2700000" algn="tl">
+                    <a:srgbClr val="000000">
+                      <a:alpha val="43137"/>
+                    </a:srgbClr>
+                  </a:outerShdw>
+                </a:effectLst>
+              </a:rPr>
+              <a:t>, </a:t>
+            </a:r>
+            <a:r>
+              <a:rPr lang="ko-KR" altLang="en-US" sz="900" b="1" smtClean="0">
+                <a:effectLst>
+                  <a:outerShdw blurRad="38100" dist="38100" dir="2700000" algn="tl">
+                    <a:srgbClr val="000000">
+                      <a:alpha val="43137"/>
+                    </a:srgbClr>
+                  </a:outerShdw>
+                </a:effectLst>
+              </a:rPr>
+              <a:t>회전속도</a:t>
+            </a:r>
+            <a:r>
+              <a:rPr lang="en-US" altLang="ko-KR" sz="900" b="1" smtClean="0">
+                <a:effectLst>
+                  <a:outerShdw blurRad="38100" dist="38100" dir="2700000" algn="tl">
+                    <a:srgbClr val="000000">
+                      <a:alpha val="43137"/>
+                    </a:srgbClr>
+                  </a:outerShdw>
+                </a:effectLst>
+              </a:rPr>
+              <a:t>, </a:t>
+            </a:r>
+            <a:r>
+              <a:rPr lang="ko-KR" altLang="en-US" sz="900" b="1" smtClean="0">
+                <a:effectLst>
+                  <a:outerShdw blurRad="38100" dist="38100" dir="2700000" algn="tl">
+                    <a:srgbClr val="000000">
+                      <a:alpha val="43137"/>
+                    </a:srgbClr>
+                  </a:outerShdw>
+                </a:effectLst>
+              </a:rPr>
+              <a:t>게이지차오르는속도</a:t>
+            </a:r>
+            <a:r>
+              <a:rPr lang="en-US" altLang="ko-KR" sz="900" b="1" smtClean="0">
+                <a:effectLst>
+                  <a:outerShdw blurRad="38100" dist="38100" dir="2700000" algn="tl">
+                    <a:srgbClr val="000000">
+                      <a:alpha val="43137"/>
+                    </a:srgbClr>
+                  </a:outerShdw>
+                </a:effectLst>
+              </a:rPr>
+              <a:t>, </a:t>
+            </a:r>
+            <a:r>
+              <a:rPr lang="ko-KR" altLang="en-US" sz="900" b="1" smtClean="0">
+                <a:effectLst>
+                  <a:outerShdw blurRad="38100" dist="38100" dir="2700000" algn="tl">
+                    <a:srgbClr val="000000">
+                      <a:alpha val="43137"/>
+                    </a:srgbClr>
+                  </a:outerShdw>
+                </a:effectLst>
+              </a:rPr>
+              <a:t>카메라 기준점과 카메라 이동 시 따라가는 그래프</a:t>
+            </a:r>
+            <a:r>
+              <a:rPr lang="en-US" altLang="ko-KR" sz="900" b="1" smtClean="0">
+                <a:effectLst>
+                  <a:outerShdw blurRad="38100" dist="38100" dir="2700000" algn="tl">
+                    <a:srgbClr val="000000">
+                      <a:alpha val="43137"/>
+                    </a:srgbClr>
+                  </a:outerShdw>
+                </a:effectLst>
+              </a:rPr>
+              <a:t>, </a:t>
+            </a:r>
+            <a:r>
+              <a:rPr lang="ko-KR" altLang="en-US" sz="900" b="1" smtClean="0">
+                <a:effectLst>
+                  <a:outerShdw blurRad="38100" dist="38100" dir="2700000" algn="tl">
+                    <a:srgbClr val="000000">
+                      <a:alpha val="43137"/>
+                    </a:srgbClr>
+                  </a:outerShdw>
+                </a:effectLst>
+              </a:rPr>
+              <a:t>파워</a:t>
+            </a:r>
+            <a:r>
+              <a:rPr lang="en-US" altLang="ko-KR" sz="900" b="1" smtClean="0">
+                <a:effectLst>
+                  <a:outerShdw blurRad="38100" dist="38100" dir="2700000" algn="tl">
+                    <a:srgbClr val="000000">
+                      <a:alpha val="43137"/>
+                    </a:srgbClr>
+                  </a:outerShdw>
+                </a:effectLst>
+              </a:rPr>
+              <a:t>1</a:t>
+            </a:r>
+            <a:r>
+              <a:rPr lang="ko-KR" altLang="en-US" sz="900" b="1" smtClean="0">
+                <a:effectLst>
+                  <a:outerShdw blurRad="38100" dist="38100" dir="2700000" algn="tl">
+                    <a:srgbClr val="000000">
+                      <a:alpha val="43137"/>
+                    </a:srgbClr>
+                  </a:outerShdw>
+                </a:effectLst>
+              </a:rPr>
+              <a:t>당 파워결정</a:t>
+            </a:r>
+            <a:endParaRPr lang="ko-KR" altLang="en-US" sz="900" b="1" dirty="0" smtClean="0">
               <a:effectLst>
                 <a:outerShdw blurRad="38100" dist="38100" dir="2700000" algn="tl">
                   <a:srgbClr val="000000">
